--- a/PwrMonitor (2019-12).pptx
+++ b/PwrMonitor (2019-12).pptx
@@ -9,6 +9,7 @@
     <p:sldId id="256" r:id="rId3"/>
     <p:sldId id="257" r:id="rId4"/>
     <p:sldId id="259" r:id="rId5"/>
+    <p:sldId id="260" r:id="rId6"/>
   </p:sldIdLst>
   <p:sldSz cx="12192000" cy="6858000"/>
   <p:notesSz cx="6858000" cy="9144000"/>
@@ -244,7 +245,7 @@
           <a:p>
             <a:fld id="{15390F78-1E8D-4DDD-B490-1B1599C0A1B5}" type="datetimeFigureOut">
               <a:rPr lang="en-US" smtClean="0"/>
-              <a:t>12/28/2019</a:t>
+              <a:t>12/30/2019</a:t>
             </a:fld>
             <a:endParaRPr lang="en-US"/>
           </a:p>
@@ -412,7 +413,7 @@
           <a:p>
             <a:fld id="{15390F78-1E8D-4DDD-B490-1B1599C0A1B5}" type="datetimeFigureOut">
               <a:rPr lang="en-US" smtClean="0"/>
-              <a:t>12/28/2019</a:t>
+              <a:t>12/30/2019</a:t>
             </a:fld>
             <a:endParaRPr lang="en-US"/>
           </a:p>
@@ -590,7 +591,7 @@
           <a:p>
             <a:fld id="{15390F78-1E8D-4DDD-B490-1B1599C0A1B5}" type="datetimeFigureOut">
               <a:rPr lang="en-US" smtClean="0"/>
-              <a:t>12/28/2019</a:t>
+              <a:t>12/30/2019</a:t>
             </a:fld>
             <a:endParaRPr lang="en-US"/>
           </a:p>
@@ -758,7 +759,7 @@
           <a:p>
             <a:fld id="{15390F78-1E8D-4DDD-B490-1B1599C0A1B5}" type="datetimeFigureOut">
               <a:rPr lang="en-US" smtClean="0"/>
-              <a:t>12/28/2019</a:t>
+              <a:t>12/30/2019</a:t>
             </a:fld>
             <a:endParaRPr lang="en-US"/>
           </a:p>
@@ -1003,7 +1004,7 @@
           <a:p>
             <a:fld id="{15390F78-1E8D-4DDD-B490-1B1599C0A1B5}" type="datetimeFigureOut">
               <a:rPr lang="en-US" smtClean="0"/>
-              <a:t>12/28/2019</a:t>
+              <a:t>12/30/2019</a:t>
             </a:fld>
             <a:endParaRPr lang="en-US"/>
           </a:p>
@@ -1232,7 +1233,7 @@
           <a:p>
             <a:fld id="{15390F78-1E8D-4DDD-B490-1B1599C0A1B5}" type="datetimeFigureOut">
               <a:rPr lang="en-US" smtClean="0"/>
-              <a:t>12/28/2019</a:t>
+              <a:t>12/30/2019</a:t>
             </a:fld>
             <a:endParaRPr lang="en-US"/>
           </a:p>
@@ -1596,7 +1597,7 @@
           <a:p>
             <a:fld id="{15390F78-1E8D-4DDD-B490-1B1599C0A1B5}" type="datetimeFigureOut">
               <a:rPr lang="en-US" smtClean="0"/>
-              <a:t>12/28/2019</a:t>
+              <a:t>12/30/2019</a:t>
             </a:fld>
             <a:endParaRPr lang="en-US"/>
           </a:p>
@@ -1713,7 +1714,7 @@
           <a:p>
             <a:fld id="{15390F78-1E8D-4DDD-B490-1B1599C0A1B5}" type="datetimeFigureOut">
               <a:rPr lang="en-US" smtClean="0"/>
-              <a:t>12/28/2019</a:t>
+              <a:t>12/30/2019</a:t>
             </a:fld>
             <a:endParaRPr lang="en-US"/>
           </a:p>
@@ -1808,7 +1809,7 @@
           <a:p>
             <a:fld id="{15390F78-1E8D-4DDD-B490-1B1599C0A1B5}" type="datetimeFigureOut">
               <a:rPr lang="en-US" smtClean="0"/>
-              <a:t>12/28/2019</a:t>
+              <a:t>12/30/2019</a:t>
             </a:fld>
             <a:endParaRPr lang="en-US"/>
           </a:p>
@@ -2083,7 +2084,7 @@
           <a:p>
             <a:fld id="{15390F78-1E8D-4DDD-B490-1B1599C0A1B5}" type="datetimeFigureOut">
               <a:rPr lang="en-US" smtClean="0"/>
-              <a:t>12/28/2019</a:t>
+              <a:t>12/30/2019</a:t>
             </a:fld>
             <a:endParaRPr lang="en-US"/>
           </a:p>
@@ -2335,7 +2336,7 @@
           <a:p>
             <a:fld id="{15390F78-1E8D-4DDD-B490-1B1599C0A1B5}" type="datetimeFigureOut">
               <a:rPr lang="en-US" smtClean="0"/>
-              <a:t>12/28/2019</a:t>
+              <a:t>12/30/2019</a:t>
             </a:fld>
             <a:endParaRPr lang="en-US"/>
           </a:p>
@@ -2546,7 +2547,7 @@
           <a:p>
             <a:fld id="{15390F78-1E8D-4DDD-B490-1B1599C0A1B5}" type="datetimeFigureOut">
               <a:rPr lang="en-US" smtClean="0"/>
-              <a:t>12/28/2019</a:t>
+              <a:t>12/30/2019</a:t>
             </a:fld>
             <a:endParaRPr lang="en-US"/>
           </a:p>
@@ -8577,8 +8578,8 @@
         </p:nvSpPr>
         <p:spPr>
           <a:xfrm>
-            <a:off x="5353750" y="4323292"/>
-            <a:ext cx="2191743" cy="118533"/>
+            <a:off x="5353751" y="4323293"/>
+            <a:ext cx="1794936" cy="113430"/>
           </a:xfrm>
           <a:prstGeom prst="rightArrow">
             <a:avLst/>
@@ -8623,7 +8624,7 @@
         </p:nvSpPr>
         <p:spPr>
           <a:xfrm>
-            <a:off x="5976899" y="4037861"/>
+            <a:off x="5976898" y="4005156"/>
             <a:ext cx="938107" cy="795866"/>
           </a:xfrm>
           <a:prstGeom prst="flowChartDocument">
@@ -8748,7 +8749,7 @@
         </p:nvSpPr>
         <p:spPr>
           <a:xfrm>
-            <a:off x="7545494" y="4190999"/>
+            <a:off x="7148685" y="4013623"/>
             <a:ext cx="873760" cy="1007533"/>
           </a:xfrm>
           <a:prstGeom prst="flowChartDocument">
@@ -8897,7 +8898,7 @@
         </p:nvSpPr>
         <p:spPr>
           <a:xfrm>
-            <a:off x="7003655" y="3117724"/>
+            <a:off x="8459921" y="5108625"/>
             <a:ext cx="1415599" cy="518409"/>
           </a:xfrm>
           <a:prstGeom prst="rect">
@@ -8965,12 +8966,12 @@
         </p:nvCxnSpPr>
         <p:spPr>
           <a:xfrm flipV="1">
-            <a:off x="4941709" y="3376929"/>
-            <a:ext cx="2061946" cy="1990902"/>
+            <a:off x="4941709" y="5367830"/>
+            <a:ext cx="3518212" cy="1"/>
           </a:xfrm>
           <a:prstGeom prst="bentConnector3">
             <a:avLst>
-              <a:gd name="adj1" fmla="val 39652"/>
+              <a:gd name="adj1" fmla="val 50000"/>
             </a:avLst>
           </a:prstGeom>
           <a:ln>
@@ -9052,8 +9053,8 @@
         </p:nvSpPr>
         <p:spPr>
           <a:xfrm>
-            <a:off x="6969788" y="2484788"/>
-            <a:ext cx="1449464" cy="518409"/>
+            <a:off x="8459920" y="3643414"/>
+            <a:ext cx="1415600" cy="518409"/>
           </a:xfrm>
           <a:prstGeom prst="rect">
             <a:avLst/>
@@ -9087,20 +9088,12 @@
           <a:p>
             <a:pPr algn="ctr"/>
             <a:r>
-              <a:rPr lang="en-US" sz="1400" b="1" dirty="0" err="1">
-                <a:solidFill>
-                  <a:schemeClr val="tx1"/>
-                </a:solidFill>
-              </a:rPr>
-              <a:t>Cli</a:t>
-            </a:r>
-            <a:r>
               <a:rPr lang="en-US" sz="1400" b="1" dirty="0">
                 <a:solidFill>
                   <a:schemeClr val="tx1"/>
                 </a:solidFill>
               </a:rPr>
-              <a:t> Handlers</a:t>
+              <a:t>CLI Handlers</a:t>
             </a:r>
           </a:p>
         </p:txBody>
@@ -9122,13 +9115,13 @@
           <p:nvPr/>
         </p:nvCxnSpPr>
         <p:spPr>
-          <a:xfrm flipV="1">
-            <a:off x="4941707" y="2743993"/>
-            <a:ext cx="2028081" cy="1158626"/>
+          <a:xfrm>
+            <a:off x="4941707" y="3902619"/>
+            <a:ext cx="3518213" cy="12700"/>
           </a:xfrm>
           <a:prstGeom prst="bentConnector3">
             <a:avLst>
-              <a:gd name="adj1" fmla="val 34661"/>
+              <a:gd name="adj1" fmla="val 50000"/>
             </a:avLst>
           </a:prstGeom>
           <a:ln>
@@ -9193,6 +9186,340 @@
           <a:p>
             <a:pPr algn="ctr"/>
             <a:endParaRPr lang="en-US"/>
+          </a:p>
+        </p:txBody>
+      </p:sp>
+      <p:cxnSp>
+        <p:nvCxnSpPr>
+          <p:cNvPr id="31" name="Connector: Elbow 30">
+            <a:extLst>
+              <a:ext uri="{FF2B5EF4-FFF2-40B4-BE49-F238E27FC236}">
+                <a16:creationId xmlns:a16="http://schemas.microsoft.com/office/drawing/2014/main" id="{5A1A024D-5C1C-428D-8A65-61F8BB98AEF3}"/>
+              </a:ext>
+            </a:extLst>
+          </p:cNvPr>
+          <p:cNvCxnSpPr>
+            <a:cxnSpLocks/>
+          </p:cNvCxnSpPr>
+          <p:nvPr/>
+        </p:nvCxnSpPr>
+        <p:spPr>
+          <a:xfrm>
+            <a:off x="6445952" y="4771104"/>
+            <a:ext cx="1878473" cy="376592"/>
+          </a:xfrm>
+          <a:prstGeom prst="bentConnector3">
+            <a:avLst>
+              <a:gd name="adj1" fmla="val -661"/>
+            </a:avLst>
+          </a:prstGeom>
+          <a:ln>
+            <a:tailEnd type="triangle"/>
+          </a:ln>
+        </p:spPr>
+        <p:style>
+          <a:lnRef idx="1">
+            <a:schemeClr val="accent1"/>
+          </a:lnRef>
+          <a:fillRef idx="0">
+            <a:schemeClr val="accent1"/>
+          </a:fillRef>
+          <a:effectRef idx="0">
+            <a:schemeClr val="accent1"/>
+          </a:effectRef>
+          <a:fontRef idx="minor">
+            <a:schemeClr val="tx1"/>
+          </a:fontRef>
+        </p:style>
+      </p:cxnSp>
+      <p:cxnSp>
+        <p:nvCxnSpPr>
+          <p:cNvPr id="34" name="Connector: Elbow 33">
+            <a:extLst>
+              <a:ext uri="{FF2B5EF4-FFF2-40B4-BE49-F238E27FC236}">
+                <a16:creationId xmlns:a16="http://schemas.microsoft.com/office/drawing/2014/main" id="{800FDD00-55D3-4C6E-9B71-94BE236D3986}"/>
+              </a:ext>
+            </a:extLst>
+          </p:cNvPr>
+          <p:cNvCxnSpPr>
+            <a:cxnSpLocks/>
+            <a:stCxn id="56" idx="2"/>
+          </p:cNvCxnSpPr>
+          <p:nvPr/>
+        </p:nvCxnSpPr>
+        <p:spPr>
+          <a:xfrm rot="16200000" flipH="1">
+            <a:off x="7913223" y="4626889"/>
+            <a:ext cx="83544" cy="738860"/>
+          </a:xfrm>
+          <a:prstGeom prst="bentConnector2">
+            <a:avLst/>
+          </a:prstGeom>
+          <a:ln>
+            <a:tailEnd type="triangle"/>
+          </a:ln>
+        </p:spPr>
+        <p:style>
+          <a:lnRef idx="1">
+            <a:schemeClr val="accent1"/>
+          </a:lnRef>
+          <a:fillRef idx="0">
+            <a:schemeClr val="accent1"/>
+          </a:fillRef>
+          <a:effectRef idx="0">
+            <a:schemeClr val="accent1"/>
+          </a:effectRef>
+          <a:fontRef idx="minor">
+            <a:schemeClr val="tx1"/>
+          </a:fontRef>
+        </p:style>
+      </p:cxnSp>
+      <p:cxnSp>
+        <p:nvCxnSpPr>
+          <p:cNvPr id="46" name="Connector: Elbow 45">
+            <a:extLst>
+              <a:ext uri="{FF2B5EF4-FFF2-40B4-BE49-F238E27FC236}">
+                <a16:creationId xmlns:a16="http://schemas.microsoft.com/office/drawing/2014/main" id="{1A9BD9C4-9BFF-499F-B8DC-C1D3269B8853}"/>
+              </a:ext>
+            </a:extLst>
+          </p:cNvPr>
+          <p:cNvCxnSpPr>
+            <a:cxnSpLocks/>
+            <a:stCxn id="64" idx="3"/>
+            <a:endCxn id="58" idx="2"/>
+          </p:cNvCxnSpPr>
+          <p:nvPr/>
+        </p:nvCxnSpPr>
+        <p:spPr>
+          <a:xfrm flipV="1">
+            <a:off x="9875520" y="3085514"/>
+            <a:ext cx="270947" cy="817105"/>
+          </a:xfrm>
+          <a:prstGeom prst="bentConnector2">
+            <a:avLst/>
+          </a:prstGeom>
+          <a:ln>
+            <a:tailEnd type="triangle"/>
+          </a:ln>
+        </p:spPr>
+        <p:style>
+          <a:lnRef idx="1">
+            <a:schemeClr val="accent1"/>
+          </a:lnRef>
+          <a:fillRef idx="0">
+            <a:schemeClr val="accent1"/>
+          </a:fillRef>
+          <a:effectRef idx="0">
+            <a:schemeClr val="accent1"/>
+          </a:effectRef>
+          <a:fontRef idx="minor">
+            <a:schemeClr val="tx1"/>
+          </a:fontRef>
+        </p:style>
+      </p:cxnSp>
+      <p:sp>
+        <p:nvSpPr>
+          <p:cNvPr id="58" name="Rectangle 57">
+            <a:extLst>
+              <a:ext uri="{FF2B5EF4-FFF2-40B4-BE49-F238E27FC236}">
+                <a16:creationId xmlns:a16="http://schemas.microsoft.com/office/drawing/2014/main" id="{9879EB56-C5D8-430F-82CD-E38E9B32D009}"/>
+              </a:ext>
+            </a:extLst>
+          </p:cNvPr>
+          <p:cNvSpPr/>
+          <p:nvPr/>
+        </p:nvSpPr>
+        <p:spPr>
+          <a:xfrm>
+            <a:off x="9438667" y="2567105"/>
+            <a:ext cx="1415599" cy="518409"/>
+          </a:xfrm>
+          <a:prstGeom prst="rect">
+            <a:avLst/>
+          </a:prstGeom>
+          <a:solidFill>
+            <a:schemeClr val="accent1">
+              <a:lumMod val="20000"/>
+              <a:lumOff val="80000"/>
+            </a:schemeClr>
+          </a:solidFill>
+        </p:spPr>
+        <p:style>
+          <a:lnRef idx="2">
+            <a:schemeClr val="accent1">
+              <a:shade val="50000"/>
+            </a:schemeClr>
+          </a:lnRef>
+          <a:fillRef idx="1">
+            <a:schemeClr val="accent1"/>
+          </a:fillRef>
+          <a:effectRef idx="0">
+            <a:schemeClr val="accent1"/>
+          </a:effectRef>
+          <a:fontRef idx="minor">
+            <a:schemeClr val="lt1"/>
+          </a:fontRef>
+        </p:style>
+        <p:txBody>
+          <a:bodyPr rtlCol="0" anchor="ctr"/>
+          <a:lstStyle/>
+          <a:p>
+            <a:pPr algn="ctr"/>
+            <a:r>
+              <a:rPr lang="en-US" sz="1400" b="1" dirty="0">
+                <a:solidFill>
+                  <a:schemeClr val="tx1"/>
+                </a:solidFill>
+              </a:rPr>
+              <a:t>WEB Interface</a:t>
+            </a:r>
+          </a:p>
+        </p:txBody>
+      </p:sp>
+      <p:cxnSp>
+        <p:nvCxnSpPr>
+          <p:cNvPr id="61" name="Connector: Elbow 60">
+            <a:extLst>
+              <a:ext uri="{FF2B5EF4-FFF2-40B4-BE49-F238E27FC236}">
+                <a16:creationId xmlns:a16="http://schemas.microsoft.com/office/drawing/2014/main" id="{4CE73540-6BAD-4698-94C4-0F9D3E2855D7}"/>
+              </a:ext>
+            </a:extLst>
+          </p:cNvPr>
+          <p:cNvCxnSpPr>
+            <a:cxnSpLocks/>
+            <a:stCxn id="57" idx="3"/>
+            <a:endCxn id="58" idx="2"/>
+          </p:cNvCxnSpPr>
+          <p:nvPr/>
+        </p:nvCxnSpPr>
+        <p:spPr>
+          <a:xfrm flipV="1">
+            <a:off x="9875520" y="3085514"/>
+            <a:ext cx="270947" cy="2282316"/>
+          </a:xfrm>
+          <a:prstGeom prst="bentConnector2">
+            <a:avLst/>
+          </a:prstGeom>
+          <a:ln>
+            <a:tailEnd type="triangle"/>
+          </a:ln>
+        </p:spPr>
+        <p:style>
+          <a:lnRef idx="1">
+            <a:schemeClr val="accent1"/>
+          </a:lnRef>
+          <a:fillRef idx="0">
+            <a:schemeClr val="accent1"/>
+          </a:fillRef>
+          <a:effectRef idx="0">
+            <a:schemeClr val="accent1"/>
+          </a:effectRef>
+          <a:fontRef idx="minor">
+            <a:schemeClr val="tx1"/>
+          </a:fontRef>
+        </p:style>
+      </p:cxnSp>
+      <p:sp>
+        <p:nvSpPr>
+          <p:cNvPr id="62" name="TextBox 61">
+            <a:extLst>
+              <a:ext uri="{FF2B5EF4-FFF2-40B4-BE49-F238E27FC236}">
+                <a16:creationId xmlns:a16="http://schemas.microsoft.com/office/drawing/2014/main" id="{8046721D-6DCC-4777-8D9C-7A61D36F1382}"/>
+              </a:ext>
+            </a:extLst>
+          </p:cNvPr>
+          <p:cNvSpPr txBox="1"/>
+          <p:nvPr/>
+        </p:nvSpPr>
+        <p:spPr>
+          <a:xfrm>
+            <a:off x="5053940" y="827291"/>
+            <a:ext cx="2968505" cy="369332"/>
+          </a:xfrm>
+          <a:prstGeom prst="rect">
+            <a:avLst/>
+          </a:prstGeom>
+          <a:noFill/>
+        </p:spPr>
+        <p:txBody>
+          <a:bodyPr wrap="none" rtlCol="0">
+            <a:spAutoFit/>
+          </a:bodyPr>
+          <a:lstStyle/>
+          <a:p>
+            <a:r>
+              <a:rPr lang="en-US" b="1" dirty="0"/>
+              <a:t>High Level Code Organization</a:t>
+            </a:r>
+          </a:p>
+        </p:txBody>
+      </p:sp>
+      <p:sp>
+        <p:nvSpPr>
+          <p:cNvPr id="67" name="TextBox 66">
+            <a:extLst>
+              <a:ext uri="{FF2B5EF4-FFF2-40B4-BE49-F238E27FC236}">
+                <a16:creationId xmlns:a16="http://schemas.microsoft.com/office/drawing/2014/main" id="{D906A73A-6C7A-496F-A400-95A821DFDCC2}"/>
+              </a:ext>
+            </a:extLst>
+          </p:cNvPr>
+          <p:cNvSpPr txBox="1"/>
+          <p:nvPr/>
+        </p:nvSpPr>
+        <p:spPr>
+          <a:xfrm>
+            <a:off x="5688745" y="1563846"/>
+            <a:ext cx="4247381" cy="954107"/>
+          </a:xfrm>
+          <a:prstGeom prst="rect">
+            <a:avLst/>
+          </a:prstGeom>
+          <a:noFill/>
+        </p:spPr>
+        <p:txBody>
+          <a:bodyPr wrap="none" rtlCol="0">
+            <a:spAutoFit/>
+          </a:bodyPr>
+          <a:lstStyle/>
+          <a:p>
+            <a:pPr marL="342900" indent="-342900">
+              <a:buFont typeface="+mj-lt"/>
+              <a:buAutoNum type="arabicPeriod"/>
+            </a:pPr>
+            <a:r>
+              <a:rPr lang="en-US" sz="1400" dirty="0"/>
+              <a:t>Loop() acquires measurements every 2-seconds</a:t>
+            </a:r>
+          </a:p>
+          <a:p>
+            <a:pPr marL="342900" indent="-342900">
+              <a:buFont typeface="+mj-lt"/>
+              <a:buAutoNum type="arabicPeriod"/>
+            </a:pPr>
+            <a:r>
+              <a:rPr lang="en-US" sz="1400" dirty="0"/>
+              <a:t>Minute and hourly statistics are computed </a:t>
+            </a:r>
+          </a:p>
+          <a:p>
+            <a:pPr marL="342900" indent="-342900">
+              <a:buFont typeface="+mj-lt"/>
+              <a:buAutoNum type="arabicPeriod"/>
+            </a:pPr>
+            <a:r>
+              <a:rPr lang="en-US" sz="1400" dirty="0"/>
+              <a:t>CLI and WEB interface access the above on request</a:t>
+            </a:r>
+          </a:p>
+          <a:p>
+            <a:pPr marL="342900" indent="-342900">
+              <a:buFont typeface="+mj-lt"/>
+              <a:buAutoNum type="arabicPeriod"/>
+            </a:pPr>
+            <a:r>
+              <a:rPr lang="en-US" sz="1400" dirty="0"/>
+              <a:t>History is saved on Dropbox periodically</a:t>
+            </a:r>
           </a:p>
         </p:txBody>
       </p:sp>
@@ -13063,6 +13390,421 @@
 </p:sld>
 </file>
 
+<file path=ppt/slides/slide5.xml><?xml version="1.0" encoding="utf-8"?>
+<p:sld xmlns:a="http://schemas.openxmlformats.org/drawingml/2006/main" xmlns:r="http://schemas.openxmlformats.org/officeDocument/2006/relationships" xmlns:p="http://schemas.openxmlformats.org/presentationml/2006/main">
+  <p:cSld>
+    <p:spTree>
+      <p:nvGrpSpPr>
+        <p:cNvPr id="1" name=""/>
+        <p:cNvGrpSpPr/>
+        <p:nvPr/>
+      </p:nvGrpSpPr>
+      <p:grpSpPr>
+        <a:xfrm>
+          <a:off x="0" y="0"/>
+          <a:ext cx="0" cy="0"/>
+          <a:chOff x="0" y="0"/>
+          <a:chExt cx="0" cy="0"/>
+        </a:xfrm>
+      </p:grpSpPr>
+      <p:sp>
+        <p:nvSpPr>
+          <p:cNvPr id="2" name="Arrow: Chevron 1">
+            <a:extLst>
+              <a:ext uri="{FF2B5EF4-FFF2-40B4-BE49-F238E27FC236}">
+                <a16:creationId xmlns:a16="http://schemas.microsoft.com/office/drawing/2014/main" id="{54A07D67-6155-4285-93EA-17BD0F0B3EE6}"/>
+              </a:ext>
+            </a:extLst>
+          </p:cNvPr>
+          <p:cNvSpPr/>
+          <p:nvPr/>
+        </p:nvSpPr>
+        <p:spPr>
+          <a:xfrm>
+            <a:off x="901701" y="1191683"/>
+            <a:ext cx="1340272" cy="993997"/>
+          </a:xfrm>
+          <a:prstGeom prst="chevron">
+            <a:avLst>
+              <a:gd name="adj" fmla="val 17935"/>
+            </a:avLst>
+          </a:prstGeom>
+          <a:solidFill>
+            <a:schemeClr val="accent1">
+              <a:lumMod val="20000"/>
+              <a:lumOff val="80000"/>
+            </a:schemeClr>
+          </a:solidFill>
+        </p:spPr>
+        <p:style>
+          <a:lnRef idx="2">
+            <a:schemeClr val="accent1">
+              <a:shade val="50000"/>
+            </a:schemeClr>
+          </a:lnRef>
+          <a:fillRef idx="1">
+            <a:schemeClr val="accent1"/>
+          </a:fillRef>
+          <a:effectRef idx="0">
+            <a:schemeClr val="accent1"/>
+          </a:effectRef>
+          <a:fontRef idx="minor">
+            <a:schemeClr val="lt1"/>
+          </a:fontRef>
+        </p:style>
+        <p:txBody>
+          <a:bodyPr rtlCol="0" anchor="ctr"/>
+          <a:lstStyle/>
+          <a:p>
+            <a:pPr algn="ctr"/>
+            <a:r>
+              <a:rPr lang="en-US" sz="1200" b="1" dirty="0">
+                <a:solidFill>
+                  <a:schemeClr val="tx1"/>
+                </a:solidFill>
+              </a:rPr>
+              <a:t>(1)</a:t>
+            </a:r>
+          </a:p>
+          <a:p>
+            <a:pPr algn="ctr"/>
+            <a:r>
+              <a:rPr lang="en-US" sz="1000" dirty="0">
+                <a:solidFill>
+                  <a:schemeClr val="tx1"/>
+                </a:solidFill>
+              </a:rPr>
+              <a:t>User speaks to Google Assistant</a:t>
+            </a:r>
+          </a:p>
+        </p:txBody>
+      </p:sp>
+      <p:sp>
+        <p:nvSpPr>
+          <p:cNvPr id="3" name="Arrow: Chevron 2">
+            <a:extLst>
+              <a:ext uri="{FF2B5EF4-FFF2-40B4-BE49-F238E27FC236}">
+                <a16:creationId xmlns:a16="http://schemas.microsoft.com/office/drawing/2014/main" id="{8B9BE25F-48EE-4200-BC0C-B42D48CB90BD}"/>
+              </a:ext>
+            </a:extLst>
+          </p:cNvPr>
+          <p:cNvSpPr/>
+          <p:nvPr/>
+        </p:nvSpPr>
+        <p:spPr>
+          <a:xfrm>
+            <a:off x="2180485" y="1207338"/>
+            <a:ext cx="1958021" cy="993996"/>
+          </a:xfrm>
+          <a:prstGeom prst="chevron">
+            <a:avLst>
+              <a:gd name="adj" fmla="val 15327"/>
+            </a:avLst>
+          </a:prstGeom>
+          <a:solidFill>
+            <a:schemeClr val="accent1">
+              <a:lumMod val="20000"/>
+              <a:lumOff val="80000"/>
+            </a:schemeClr>
+          </a:solidFill>
+        </p:spPr>
+        <p:style>
+          <a:lnRef idx="2">
+            <a:schemeClr val="accent1">
+              <a:shade val="50000"/>
+            </a:schemeClr>
+          </a:lnRef>
+          <a:fillRef idx="1">
+            <a:schemeClr val="accent1"/>
+          </a:fillRef>
+          <a:effectRef idx="0">
+            <a:schemeClr val="accent1"/>
+          </a:effectRef>
+          <a:fontRef idx="minor">
+            <a:schemeClr val="lt1"/>
+          </a:fontRef>
+        </p:style>
+        <p:txBody>
+          <a:bodyPr rtlCol="0" anchor="ctr"/>
+          <a:lstStyle/>
+          <a:p>
+            <a:pPr algn="ctr"/>
+            <a:r>
+              <a:rPr lang="en-US" sz="1200" b="1" dirty="0">
+                <a:solidFill>
+                  <a:schemeClr val="tx1"/>
+                </a:solidFill>
+              </a:rPr>
+              <a:t>(2)</a:t>
+            </a:r>
+          </a:p>
+          <a:p>
+            <a:pPr algn="ctr"/>
+            <a:r>
+              <a:rPr lang="en-US" sz="1000" dirty="0">
+                <a:solidFill>
+                  <a:schemeClr val="tx1"/>
+                </a:solidFill>
+              </a:rPr>
+              <a:t>Google Assistant</a:t>
+            </a:r>
+          </a:p>
+          <a:p>
+            <a:pPr algn="ctr"/>
+            <a:r>
+              <a:rPr lang="en-US" sz="1000" dirty="0">
+                <a:solidFill>
+                  <a:schemeClr val="tx1"/>
+                </a:solidFill>
+              </a:rPr>
+              <a:t>Triggers IFTTT Applet APPL17.</a:t>
+            </a:r>
+          </a:p>
+        </p:txBody>
+      </p:sp>
+      <p:sp>
+        <p:nvSpPr>
+          <p:cNvPr id="4" name="Arrow: Chevron 3">
+            <a:extLst>
+              <a:ext uri="{FF2B5EF4-FFF2-40B4-BE49-F238E27FC236}">
+                <a16:creationId xmlns:a16="http://schemas.microsoft.com/office/drawing/2014/main" id="{BACCE40D-28FD-471B-8BF4-9DAB650AEFA6}"/>
+              </a:ext>
+            </a:extLst>
+          </p:cNvPr>
+          <p:cNvSpPr/>
+          <p:nvPr/>
+        </p:nvSpPr>
+        <p:spPr>
+          <a:xfrm>
+            <a:off x="5970164" y="1195477"/>
+            <a:ext cx="1617342" cy="993994"/>
+          </a:xfrm>
+          <a:prstGeom prst="chevron">
+            <a:avLst>
+              <a:gd name="adj" fmla="val 15544"/>
+            </a:avLst>
+          </a:prstGeom>
+          <a:solidFill>
+            <a:schemeClr val="accent1">
+              <a:lumMod val="20000"/>
+              <a:lumOff val="80000"/>
+            </a:schemeClr>
+          </a:solidFill>
+        </p:spPr>
+        <p:style>
+          <a:lnRef idx="2">
+            <a:schemeClr val="accent1">
+              <a:shade val="50000"/>
+            </a:schemeClr>
+          </a:lnRef>
+          <a:fillRef idx="1">
+            <a:schemeClr val="accent1"/>
+          </a:fillRef>
+          <a:effectRef idx="0">
+            <a:schemeClr val="accent1"/>
+          </a:effectRef>
+          <a:fontRef idx="minor">
+            <a:schemeClr val="lt1"/>
+          </a:fontRef>
+        </p:style>
+        <p:txBody>
+          <a:bodyPr rtlCol="0" anchor="ctr"/>
+          <a:lstStyle/>
+          <a:p>
+            <a:pPr algn="ctr"/>
+            <a:r>
+              <a:rPr lang="en-US" sz="1200" b="1" dirty="0">
+                <a:solidFill>
+                  <a:schemeClr val="tx1"/>
+                </a:solidFill>
+              </a:rPr>
+              <a:t>(4)</a:t>
+            </a:r>
+          </a:p>
+          <a:p>
+            <a:pPr algn="ctr"/>
+            <a:r>
+              <a:rPr lang="en-US" sz="1000" dirty="0">
+                <a:solidFill>
+                  <a:schemeClr val="tx1"/>
+                </a:solidFill>
+              </a:rPr>
+              <a:t>Object </a:t>
+            </a:r>
+            <a:r>
+              <a:rPr lang="en-US" sz="1000" b="1" dirty="0" err="1">
+                <a:solidFill>
+                  <a:schemeClr val="tx1"/>
+                </a:solidFill>
+              </a:rPr>
+              <a:t>pwrAssist</a:t>
+            </a:r>
+            <a:r>
+              <a:rPr lang="en-US" sz="1000" b="1" dirty="0">
+                <a:solidFill>
+                  <a:schemeClr val="tx1"/>
+                </a:solidFill>
+              </a:rPr>
+              <a:t> </a:t>
+            </a:r>
+            <a:r>
+              <a:rPr lang="en-US" sz="1000" dirty="0">
+                <a:solidFill>
+                  <a:schemeClr val="tx1"/>
+                </a:solidFill>
+              </a:rPr>
+              <a:t>dispatches to the appropriate method.</a:t>
+            </a:r>
+          </a:p>
+        </p:txBody>
+      </p:sp>
+      <p:sp>
+        <p:nvSpPr>
+          <p:cNvPr id="7" name="Arrow: Chevron 6">
+            <a:extLst>
+              <a:ext uri="{FF2B5EF4-FFF2-40B4-BE49-F238E27FC236}">
+                <a16:creationId xmlns:a16="http://schemas.microsoft.com/office/drawing/2014/main" id="{FC9CB325-7472-495D-BF9F-2BDB047F6B6F}"/>
+              </a:ext>
+            </a:extLst>
+          </p:cNvPr>
+          <p:cNvSpPr/>
+          <p:nvPr/>
+        </p:nvSpPr>
+        <p:spPr>
+          <a:xfrm>
+            <a:off x="4073631" y="1207338"/>
+            <a:ext cx="1958021" cy="993996"/>
+          </a:xfrm>
+          <a:prstGeom prst="chevron">
+            <a:avLst>
+              <a:gd name="adj" fmla="val 15327"/>
+            </a:avLst>
+          </a:prstGeom>
+          <a:solidFill>
+            <a:schemeClr val="accent1">
+              <a:lumMod val="20000"/>
+              <a:lumOff val="80000"/>
+            </a:schemeClr>
+          </a:solidFill>
+        </p:spPr>
+        <p:style>
+          <a:lnRef idx="2">
+            <a:schemeClr val="accent1">
+              <a:shade val="50000"/>
+            </a:schemeClr>
+          </a:lnRef>
+          <a:fillRef idx="1">
+            <a:schemeClr val="accent1"/>
+          </a:fillRef>
+          <a:effectRef idx="0">
+            <a:schemeClr val="accent1"/>
+          </a:effectRef>
+          <a:fontRef idx="minor">
+            <a:schemeClr val="lt1"/>
+          </a:fontRef>
+        </p:style>
+        <p:txBody>
+          <a:bodyPr rtlCol="0" anchor="ctr"/>
+          <a:lstStyle/>
+          <a:p>
+            <a:pPr algn="ctr"/>
+            <a:r>
+              <a:rPr lang="en-US" sz="1200" b="1" dirty="0">
+                <a:solidFill>
+                  <a:schemeClr val="tx1"/>
+                </a:solidFill>
+              </a:rPr>
+              <a:t>(3)</a:t>
+            </a:r>
+          </a:p>
+          <a:p>
+            <a:pPr algn="ctr"/>
+            <a:r>
+              <a:rPr lang="en-US" sz="1000" dirty="0">
+                <a:solidFill>
+                  <a:schemeClr val="tx1"/>
+                </a:solidFill>
+              </a:rPr>
+              <a:t>IFTTT Applet APPL17 invokes Thinker.io </a:t>
+            </a:r>
+            <a:br>
+              <a:rPr lang="en-US" sz="1000" dirty="0">
+                <a:solidFill>
+                  <a:schemeClr val="tx1"/>
+                </a:solidFill>
+              </a:rPr>
+            </a:br>
+            <a:r>
+              <a:rPr lang="en-US" sz="1000" dirty="0">
+                <a:solidFill>
+                  <a:schemeClr val="tx1"/>
+                </a:solidFill>
+              </a:rPr>
+              <a:t>device </a:t>
+            </a:r>
+            <a:r>
+              <a:rPr lang="en-US" sz="1000" b="1" dirty="0">
+                <a:solidFill>
+                  <a:schemeClr val="tx1"/>
+                </a:solidFill>
+              </a:rPr>
+              <a:t>PZEM04</a:t>
+            </a:r>
+            <a:r>
+              <a:rPr lang="en-US" sz="1000" dirty="0">
+                <a:solidFill>
+                  <a:schemeClr val="tx1"/>
+                </a:solidFill>
+              </a:rPr>
+              <a:t>, </a:t>
+            </a:r>
+            <a:br>
+              <a:rPr lang="en-US" sz="1000" dirty="0">
+                <a:solidFill>
+                  <a:schemeClr val="tx1"/>
+                </a:solidFill>
+              </a:rPr>
+            </a:br>
+            <a:r>
+              <a:rPr lang="en-US" sz="1000" dirty="0">
+                <a:solidFill>
+                  <a:schemeClr val="tx1"/>
+                </a:solidFill>
+              </a:rPr>
+              <a:t>object </a:t>
+            </a:r>
+            <a:r>
+              <a:rPr lang="en-US" sz="1000" b="1" dirty="0" err="1">
+                <a:solidFill>
+                  <a:schemeClr val="tx1"/>
+                </a:solidFill>
+              </a:rPr>
+              <a:t>pwrAssist</a:t>
+            </a:r>
+            <a:r>
+              <a:rPr lang="en-US" sz="1000" b="1" dirty="0">
+                <a:solidFill>
+                  <a:schemeClr val="tx1"/>
+                </a:solidFill>
+              </a:rPr>
+              <a:t>.</a:t>
+            </a:r>
+          </a:p>
+        </p:txBody>
+      </p:sp>
+    </p:spTree>
+    <p:extLst>
+      <p:ext uri="{BB962C8B-B14F-4D97-AF65-F5344CB8AC3E}">
+        <p14:creationId xmlns:p14="http://schemas.microsoft.com/office/powerpoint/2010/main" val="736615732"/>
+      </p:ext>
+    </p:extLst>
+  </p:cSld>
+  <p:clrMapOvr>
+    <a:masterClrMapping/>
+  </p:clrMapOvr>
+</p:sld>
+</file>
+
 <file path=ppt/theme/theme1.xml><?xml version="1.0" encoding="utf-8"?>
 <a:theme xmlns:a="http://schemas.openxmlformats.org/drawingml/2006/main" name="Office Theme">
   <a:themeElements>
